--- a/fall11/slidesF11/slides12m.pptx
+++ b/fall11/slidesF11/slides12m.pptx
@@ -7107,15 +7107,7 @@
             </a:r>
             <a:r>
               <a:rPr lang="en-US" dirty="0" smtClean="0"/>
-              <a:t> </a:t>
-            </a:r>
-            <a:r>
-              <a:rPr lang="en-US" dirty="0" smtClean="0"/>
-              <a:t>12M.</a:t>
-            </a:r>
-            <a:r>
-              <a:rPr lang="en-US" dirty="0" smtClean="0"/>
-              <a:t>‹#›</a:t>
+              <a:t> 12M.‹#›</a:t>
             </a:r>
             <a:endParaRPr lang="en-US" dirty="0"/>
           </a:p>
@@ -7264,15 +7256,7 @@
             </a:r>
             <a:r>
               <a:rPr lang="en-US" dirty="0" smtClean="0"/>
-              <a:t> </a:t>
-            </a:r>
-            <a:r>
-              <a:rPr lang="en-US" dirty="0" smtClean="0"/>
-              <a:t>12M.</a:t>
-            </a:r>
-            <a:r>
-              <a:rPr lang="en-US" dirty="0" smtClean="0"/>
-              <a:t>‹#›</a:t>
+              <a:t> 12M.‹#›</a:t>
             </a:r>
             <a:endParaRPr lang="en-US" dirty="0"/>
           </a:p>
@@ -7369,15 +7353,7 @@
             </a:r>
             <a:r>
               <a:rPr lang="en-US" dirty="0" smtClean="0"/>
-              <a:t> </a:t>
-            </a:r>
-            <a:r>
-              <a:rPr lang="en-US" dirty="0" smtClean="0"/>
-              <a:t>12M.</a:t>
-            </a:r>
-            <a:r>
-              <a:rPr lang="en-US" dirty="0" smtClean="0"/>
-              <a:t>‹#›</a:t>
+              <a:t> 12M.‹#›</a:t>
             </a:r>
             <a:endParaRPr lang="en-US" dirty="0"/>
           </a:p>
@@ -7451,15 +7427,7 @@
             </a:r>
             <a:r>
               <a:rPr lang="en-US" dirty="0" smtClean="0"/>
-              <a:t> </a:t>
-            </a:r>
-            <a:r>
-              <a:rPr lang="en-US" dirty="0" smtClean="0"/>
-              <a:t>12M.</a:t>
-            </a:r>
-            <a:r>
-              <a:rPr lang="en-US" dirty="0" smtClean="0"/>
-              <a:t>‹#›</a:t>
+              <a:t> 12M.‹#›</a:t>
             </a:r>
             <a:endParaRPr lang="en-US" dirty="0"/>
           </a:p>
@@ -7727,11 +7695,7 @@
             </a:r>
             <a:r>
               <a:rPr lang="en-US" dirty="0" smtClean="0"/>
-              <a:t> </a:t>
-            </a:r>
-            <a:r>
-              <a:rPr lang="en-US" dirty="0" smtClean="0"/>
-              <a:t>12M.</a:t>
+              <a:t> 12M.</a:t>
             </a:r>
             <a:fld id="{69D5B163-A3FA-4490-BF47-D2D4336659F3}" type="slidenum">
               <a:rPr lang="en-US" smtClean="0"/>
@@ -7795,37 +7759,7 @@
                 <a:uFillTx/>
                 <a:latin typeface="Comic Sans MS" pitchFamily="66" charset="0"/>
               </a:rPr>
-              <a:t>Albert R Meyer,          </a:t>
-            </a:r>
-            <a:r>
-              <a:rPr kumimoji="0" lang="en-US" sz="1200" b="0" i="0" u="none" strike="noStrike" kern="1200" cap="none" spc="0" normalizeH="0" baseline="0" noProof="0" dirty="0" smtClean="0">
-                <a:ln>
-                  <a:noFill/>
-                </a:ln>
-                <a:solidFill>
-                  <a:schemeClr val="tx1"/>
-                </a:solidFill>
-                <a:effectLst/>
-                <a:uLnTx/>
-                <a:uFillTx/>
-                <a:latin typeface="Comic Sans MS" pitchFamily="66" charset="0"/>
-              </a:rPr>
-              <a:t>November 21, </a:t>
-            </a:r>
-            <a:r>
-              <a:rPr kumimoji="0" lang="en-US" sz="1200" b="0" i="0" u="none" strike="noStrike" kern="1200" cap="none" spc="0" normalizeH="0" baseline="0" noProof="0" dirty="0" smtClean="0">
-                <a:ln>
-                  <a:noFill/>
-                </a:ln>
-                <a:solidFill>
-                  <a:schemeClr val="tx1"/>
-                </a:solidFill>
-                <a:effectLst/>
-                <a:uLnTx/>
-                <a:uFillTx/>
-                <a:latin typeface="Comic Sans MS" pitchFamily="66" charset="0"/>
-              </a:rPr>
-              <a:t>2011</a:t>
+              <a:t>Albert R Meyer,          November 21, 2011</a:t>
             </a:r>
             <a:endParaRPr kumimoji="0" lang="en-US" sz="1200" b="0" i="0" u="none" strike="noStrike" kern="1200" cap="none" spc="0" normalizeH="0" baseline="0" noProof="0" dirty="0">
               <a:ln>
@@ -8325,13 +8259,7 @@
               <a:rPr lang="en-US" sz="1000" dirty="0" smtClean="0">
                 <a:latin typeface="Comic Sans MS" pitchFamily="66" charset="0"/>
               </a:rPr>
-              <a:t> </a:t>
-            </a:r>
-            <a:r>
-              <a:rPr lang="en-US" sz="1000" dirty="0" smtClean="0">
-                <a:latin typeface="Comic Sans MS" pitchFamily="66" charset="0"/>
-              </a:rPr>
-              <a:t>12M.1</a:t>
+              <a:t> 12M.1</a:t>
             </a:r>
             <a:endParaRPr lang="en-US" sz="1000" dirty="0">
               <a:latin typeface="Comic Sans MS" pitchFamily="66" charset="0"/>
@@ -8574,13 +8502,7 @@
               <a:rPr lang="en-US" sz="1000" dirty="0" smtClean="0">
                 <a:latin typeface="Comic Sans MS" pitchFamily="66" charset="0"/>
               </a:rPr>
-              <a:t> </a:t>
-            </a:r>
-            <a:r>
-              <a:rPr lang="en-US" sz="1000" dirty="0" smtClean="0">
-                <a:latin typeface="Comic Sans MS" pitchFamily="66" charset="0"/>
-              </a:rPr>
-              <a:t>12M.10</a:t>
+              <a:t> 12M.10</a:t>
             </a:r>
             <a:endParaRPr lang="en-US" sz="1000" dirty="0">
               <a:latin typeface="Comic Sans MS" pitchFamily="66" charset="0"/>
@@ -9009,13 +8931,7 @@
               <a:rPr lang="en-US" sz="1000" dirty="0" smtClean="0">
                 <a:latin typeface="Comic Sans MS" pitchFamily="66" charset="0"/>
               </a:rPr>
-              <a:t> </a:t>
-            </a:r>
-            <a:r>
-              <a:rPr lang="en-US" sz="1000" dirty="0" smtClean="0">
-                <a:latin typeface="Comic Sans MS" pitchFamily="66" charset="0"/>
-              </a:rPr>
-              <a:t>12M.11</a:t>
+              <a:t> 12M.11</a:t>
             </a:r>
             <a:endParaRPr lang="en-US" sz="1000" dirty="0">
               <a:latin typeface="Comic Sans MS" pitchFamily="66" charset="0"/>
@@ -9466,13 +9382,7 @@
               <a:rPr lang="en-US" sz="1000" dirty="0" smtClean="0">
                 <a:latin typeface="Comic Sans MS" pitchFamily="66" charset="0"/>
               </a:rPr>
-              <a:t> </a:t>
-            </a:r>
-            <a:r>
-              <a:rPr lang="en-US" sz="1000" dirty="0" smtClean="0">
-                <a:latin typeface="Comic Sans MS" pitchFamily="66" charset="0"/>
-              </a:rPr>
-              <a:t>12M.12</a:t>
+              <a:t> 12M.12</a:t>
             </a:r>
             <a:endParaRPr lang="en-US" sz="1000" dirty="0">
               <a:latin typeface="Comic Sans MS" pitchFamily="66" charset="0"/>
@@ -9673,7 +9583,7 @@
           <a:graphicData uri="http://schemas.openxmlformats.org/presentationml/2006/ole">
             <mc:AlternateContent xmlns:mc="http://schemas.openxmlformats.org/markup-compatibility/2006">
               <mc:Choice xmlns:v="urn:schemas-microsoft-com:vml" Requires="v">
-                <p:oleObj spid="_x0000_s78854" name="Equation" r:id="rId4" imgW="838080" imgH="444240" progId="Equation.DSMT4">
+                <p:oleObj spid="_x0000_s78858" name="Equation" r:id="rId4" imgW="838080" imgH="444240" progId="Equation.DSMT4">
                   <p:embed/>
                 </p:oleObj>
               </mc:Choice>
@@ -9889,13 +9799,7 @@
               <a:rPr lang="en-US" sz="1000" dirty="0" smtClean="0">
                 <a:latin typeface="Comic Sans MS" pitchFamily="66" charset="0"/>
               </a:rPr>
-              <a:t> </a:t>
-            </a:r>
-            <a:r>
-              <a:rPr lang="en-US" sz="1000" dirty="0" smtClean="0">
-                <a:latin typeface="Comic Sans MS" pitchFamily="66" charset="0"/>
-              </a:rPr>
-              <a:t>12M.13</a:t>
+              <a:t> 12M.13</a:t>
             </a:r>
             <a:endParaRPr lang="en-US" sz="1000" dirty="0">
               <a:latin typeface="Comic Sans MS" pitchFamily="66" charset="0"/>
@@ -9951,7 +9855,7 @@
           <a:graphicData uri="http://schemas.openxmlformats.org/presentationml/2006/ole">
             <mc:AlternateContent xmlns:mc="http://schemas.openxmlformats.org/markup-compatibility/2006">
               <mc:Choice xmlns:v="urn:schemas-microsoft-com:vml" Requires="v">
-                <p:oleObj spid="_x0000_s8198" name="Equation" r:id="rId4" imgW="1904760" imgH="507960" progId="Equation.DSMT4">
+                <p:oleObj spid="_x0000_s8202" name="Equation" r:id="rId4" imgW="1904760" imgH="507960" progId="Equation.DSMT4">
                   <p:embed/>
                 </p:oleObj>
               </mc:Choice>
@@ -10167,13 +10071,7 @@
               <a:rPr lang="en-US" sz="1000" dirty="0" smtClean="0">
                 <a:latin typeface="Comic Sans MS" pitchFamily="66" charset="0"/>
               </a:rPr>
-              <a:t> </a:t>
-            </a:r>
-            <a:r>
-              <a:rPr lang="en-US" sz="1000" dirty="0" smtClean="0">
-                <a:latin typeface="Comic Sans MS" pitchFamily="66" charset="0"/>
-              </a:rPr>
-              <a:t>12M.14</a:t>
+              <a:t> 12M.14</a:t>
             </a:r>
             <a:endParaRPr lang="en-US" sz="1000" dirty="0">
               <a:latin typeface="Comic Sans MS" pitchFamily="66" charset="0"/>
@@ -10573,13 +10471,7 @@
               <a:rPr lang="en-US" sz="1000" dirty="0" smtClean="0">
                 <a:latin typeface="Comic Sans MS" pitchFamily="66" charset="0"/>
               </a:rPr>
-              <a:t> </a:t>
-            </a:r>
-            <a:r>
-              <a:rPr lang="en-US" sz="1000" dirty="0" smtClean="0">
-                <a:latin typeface="Comic Sans MS" pitchFamily="66" charset="0"/>
-              </a:rPr>
-              <a:t>12M.15</a:t>
+              <a:t> 12M.15</a:t>
             </a:r>
             <a:endParaRPr lang="en-US" sz="1000" dirty="0">
               <a:latin typeface="Comic Sans MS" pitchFamily="66" charset="0"/>
@@ -10795,7 +10687,7 @@
           <a:graphicData uri="http://schemas.openxmlformats.org/presentationml/2006/ole">
             <mc:AlternateContent xmlns:mc="http://schemas.openxmlformats.org/markup-compatibility/2006">
               <mc:Choice xmlns:v="urn:schemas-microsoft-com:vml" Requires="v">
-                <p:oleObj spid="_x0000_s79878" name="Equation" r:id="rId4" imgW="545760" imgH="457200" progId="Equation.DSMT4">
+                <p:oleObj spid="_x0000_s79882" name="Equation" r:id="rId4" imgW="545760" imgH="457200" progId="Equation.DSMT4">
                   <p:embed/>
                 </p:oleObj>
               </mc:Choice>
@@ -10932,13 +10824,7 @@
               <a:rPr lang="en-US" sz="1000" dirty="0" smtClean="0">
                 <a:latin typeface="Comic Sans MS" pitchFamily="66" charset="0"/>
               </a:rPr>
-              <a:t> </a:t>
-            </a:r>
-            <a:r>
-              <a:rPr lang="en-US" sz="1000" dirty="0" smtClean="0">
-                <a:latin typeface="Comic Sans MS" pitchFamily="66" charset="0"/>
-              </a:rPr>
-              <a:t>12M.16</a:t>
+              <a:t> 12M.16</a:t>
             </a:r>
             <a:endParaRPr lang="en-US" sz="1000" dirty="0">
               <a:latin typeface="Comic Sans MS" pitchFamily="66" charset="0"/>
@@ -11171,7 +11057,7 @@
           <a:graphicData uri="http://schemas.openxmlformats.org/presentationml/2006/ole">
             <mc:AlternateContent xmlns:mc="http://schemas.openxmlformats.org/markup-compatibility/2006">
               <mc:Choice xmlns:v="urn:schemas-microsoft-com:vml" Requires="v">
-                <p:oleObj spid="_x0000_s12297" name="Equation" r:id="rId4" imgW="939600" imgH="241200" progId="Equation.DSMT4">
+                <p:oleObj spid="_x0000_s12304" name="Equation" r:id="rId4" imgW="939600" imgH="241200" progId="Equation.DSMT4">
                   <p:embed/>
                 </p:oleObj>
               </mc:Choice>
@@ -11241,7 +11127,7 @@
           <a:graphicData uri="http://schemas.openxmlformats.org/presentationml/2006/ole">
             <mc:AlternateContent xmlns:mc="http://schemas.openxmlformats.org/markup-compatibility/2006">
               <mc:Choice xmlns:v="urn:schemas-microsoft-com:vml" Requires="v">
-                <p:oleObj spid="_x0000_s12298" name="Equation" r:id="rId6" imgW="927000" imgH="482400" progId="Equation.DSMT4">
+                <p:oleObj spid="_x0000_s12305" name="Equation" r:id="rId6" imgW="927000" imgH="482400" progId="Equation.DSMT4">
                   <p:embed/>
                 </p:oleObj>
               </mc:Choice>
@@ -11610,13 +11496,7 @@
               <a:rPr lang="en-US" sz="1000" dirty="0" smtClean="0">
                 <a:latin typeface="Comic Sans MS" pitchFamily="66" charset="0"/>
               </a:rPr>
-              <a:t> </a:t>
-            </a:r>
-            <a:r>
-              <a:rPr lang="en-US" sz="1000" dirty="0" smtClean="0">
-                <a:latin typeface="Comic Sans MS" pitchFamily="66" charset="0"/>
-              </a:rPr>
-              <a:t>12M.17</a:t>
+              <a:t> 12M.17</a:t>
             </a:r>
             <a:endParaRPr lang="en-US" sz="1000" dirty="0">
               <a:latin typeface="Comic Sans MS" pitchFamily="66" charset="0"/>
@@ -11640,7 +11520,7 @@
           <a:graphicData uri="http://schemas.openxmlformats.org/presentationml/2006/ole">
             <mc:AlternateContent xmlns:mc="http://schemas.openxmlformats.org/markup-compatibility/2006">
               <mc:Choice xmlns:v="urn:schemas-microsoft-com:vml" Requires="v">
-                <p:oleObj spid="_x0000_s9225" name="Equation" r:id="rId4" imgW="1574640" imgH="533160" progId="Equation.DSMT4">
+                <p:oleObj spid="_x0000_s9232" name="Equation" r:id="rId4" imgW="1574640" imgH="533160" progId="Equation.DSMT4">
                   <p:embed/>
                 </p:oleObj>
               </mc:Choice>
@@ -11723,7 +11603,7 @@
           <a:graphicData uri="http://schemas.openxmlformats.org/presentationml/2006/ole">
             <mc:AlternateContent xmlns:mc="http://schemas.openxmlformats.org/markup-compatibility/2006">
               <mc:Choice xmlns:v="urn:schemas-microsoft-com:vml" Requires="v">
-                <p:oleObj spid="_x0000_s9226" name="Equation" r:id="rId6" imgW="1968500" imgH="254000" progId="Equation.DSMT4">
+                <p:oleObj spid="_x0000_s9233" name="Equation" r:id="rId6" imgW="1968500" imgH="254000" progId="Equation.DSMT4">
                   <p:embed/>
                 </p:oleObj>
               </mc:Choice>
@@ -12104,7 +11984,7 @@
 </file>
 
 <file path=ppt/slides/slide18.xml><?xml version="1.0" encoding="utf-8"?>
-<p:sld xmlns:a="http://schemas.openxmlformats.org/drawingml/2006/main" xmlns:r="http://schemas.openxmlformats.org/officeDocument/2006/relationships" xmlns:p="http://schemas.openxmlformats.org/presentationml/2006/main">
+<p:sld xmlns:a="http://schemas.openxmlformats.org/drawingml/2006/main" xmlns:r="http://schemas.openxmlformats.org/officeDocument/2006/relationships" xmlns:p="http://schemas.openxmlformats.org/presentationml/2006/main" show="0">
   <p:cSld>
     <p:spTree>
       <p:nvGrpSpPr>
@@ -12168,13 +12048,7 @@
               <a:rPr lang="en-US" sz="1000" dirty="0" smtClean="0">
                 <a:latin typeface="Comic Sans MS" pitchFamily="66" charset="0"/>
               </a:rPr>
-              <a:t> </a:t>
-            </a:r>
-            <a:r>
-              <a:rPr lang="en-US" sz="1000" dirty="0" smtClean="0">
-                <a:latin typeface="Comic Sans MS" pitchFamily="66" charset="0"/>
-              </a:rPr>
-              <a:t>12M.18</a:t>
+              <a:t> 12M.18</a:t>
             </a:r>
             <a:endParaRPr lang="en-US" sz="1000" dirty="0">
               <a:latin typeface="Comic Sans MS" pitchFamily="66" charset="0"/>
@@ -12230,7 +12104,7 @@
           <a:graphicData uri="http://schemas.openxmlformats.org/presentationml/2006/ole">
             <mc:AlternateContent xmlns:mc="http://schemas.openxmlformats.org/markup-compatibility/2006">
               <mc:Choice xmlns:v="urn:schemas-microsoft-com:vml" Requires="v">
-                <p:oleObj spid="_x0000_s13318" name="Equation" r:id="rId4" imgW="2730500" imgH="990600" progId="Equation.DSMT4">
+                <p:oleObj spid="_x0000_s13322" name="Equation" r:id="rId4" imgW="2730500" imgH="990600" progId="Equation.DSMT4">
                   <p:embed/>
                 </p:oleObj>
               </mc:Choice>
@@ -12303,7 +12177,7 @@
 </file>
 
 <file path=ppt/slides/slide19.xml><?xml version="1.0" encoding="utf-8"?>
-<p:sld xmlns:a="http://schemas.openxmlformats.org/drawingml/2006/main" xmlns:r="http://schemas.openxmlformats.org/officeDocument/2006/relationships" xmlns:p="http://schemas.openxmlformats.org/presentationml/2006/main">
+<p:sld xmlns:a="http://schemas.openxmlformats.org/drawingml/2006/main" xmlns:r="http://schemas.openxmlformats.org/officeDocument/2006/relationships" xmlns:p="http://schemas.openxmlformats.org/presentationml/2006/main" show="0">
   <p:cSld>
     <p:spTree>
       <p:nvGrpSpPr>
@@ -12335,7 +12209,7 @@
           <a:graphicData uri="http://schemas.openxmlformats.org/presentationml/2006/ole">
             <mc:AlternateContent xmlns:mc="http://schemas.openxmlformats.org/markup-compatibility/2006">
               <mc:Choice xmlns:v="urn:schemas-microsoft-com:vml" Requires="v">
-                <p:oleObj spid="_x0000_s130054" name="Equation" r:id="rId3" imgW="1397000" imgH="533400" progId="Equation.DSMT4">
+                <p:oleObj spid="_x0000_s130058" name="Equation" r:id="rId3" imgW="1397000" imgH="533400" progId="Equation.DSMT4">
                   <p:embed/>
                 </p:oleObj>
               </mc:Choice>
@@ -12544,13 +12418,7 @@
               <a:rPr lang="en-US" sz="1000" dirty="0" smtClean="0">
                 <a:latin typeface="Comic Sans MS" pitchFamily="66" charset="0"/>
               </a:rPr>
-              <a:t> </a:t>
-            </a:r>
-            <a:r>
-              <a:rPr lang="en-US" sz="1000" dirty="0" smtClean="0">
-                <a:latin typeface="Comic Sans MS" pitchFamily="66" charset="0"/>
-              </a:rPr>
-              <a:t>12M.19</a:t>
+              <a:t> 12M.19</a:t>
             </a:r>
             <a:endParaRPr lang="en-US" sz="1000" dirty="0">
               <a:latin typeface="Comic Sans MS" pitchFamily="66" charset="0"/>
@@ -12641,13 +12509,7 @@
               <a:rPr lang="en-US" sz="1000" dirty="0" smtClean="0">
                 <a:latin typeface="Comic Sans MS" pitchFamily="66" charset="0"/>
               </a:rPr>
-              <a:t> </a:t>
-            </a:r>
-            <a:r>
-              <a:rPr lang="en-US" sz="1000" dirty="0" smtClean="0">
-                <a:latin typeface="Comic Sans MS" pitchFamily="66" charset="0"/>
-              </a:rPr>
-              <a:t>12M.2</a:t>
+              <a:t> 12M.2</a:t>
             </a:r>
             <a:endParaRPr lang="en-US" sz="1000" dirty="0">
               <a:latin typeface="Comic Sans MS" pitchFamily="66" charset="0"/>
@@ -26579,7 +26441,7 @@
 </file>
 
 <file path=ppt/slides/slide20.xml><?xml version="1.0" encoding="utf-8"?>
-<p:sld xmlns:a="http://schemas.openxmlformats.org/drawingml/2006/main" xmlns:r="http://schemas.openxmlformats.org/officeDocument/2006/relationships" xmlns:p="http://schemas.openxmlformats.org/presentationml/2006/main" show="0">
+<p:sld xmlns:a="http://schemas.openxmlformats.org/drawingml/2006/main" xmlns:r="http://schemas.openxmlformats.org/officeDocument/2006/relationships" xmlns:p="http://schemas.openxmlformats.org/presentationml/2006/main">
   <p:cSld>
     <p:spTree>
       <p:nvGrpSpPr>
@@ -26643,13 +26505,7 @@
               <a:rPr lang="en-US" sz="1000" dirty="0" smtClean="0">
                 <a:latin typeface="Comic Sans MS" pitchFamily="66" charset="0"/>
               </a:rPr>
-              <a:t> </a:t>
-            </a:r>
-            <a:r>
-              <a:rPr lang="en-US" sz="1000" dirty="0" smtClean="0">
-                <a:latin typeface="Comic Sans MS" pitchFamily="66" charset="0"/>
-              </a:rPr>
-              <a:t>12M.20</a:t>
+              <a:t> 12M.20</a:t>
             </a:r>
             <a:endParaRPr lang="en-US" sz="1000" dirty="0">
               <a:latin typeface="Comic Sans MS" pitchFamily="66" charset="0"/>
@@ -29992,7 +29848,7 @@
 </file>
 
 <file path=ppt/slides/slide21.xml><?xml version="1.0" encoding="utf-8"?>
-<p:sld xmlns:a="http://schemas.openxmlformats.org/drawingml/2006/main" xmlns:r="http://schemas.openxmlformats.org/officeDocument/2006/relationships" xmlns:p="http://schemas.openxmlformats.org/presentationml/2006/main">
+<p:sld xmlns:a="http://schemas.openxmlformats.org/drawingml/2006/main" xmlns:r="http://schemas.openxmlformats.org/officeDocument/2006/relationships" xmlns:p="http://schemas.openxmlformats.org/presentationml/2006/main" show="0">
   <p:cSld>
     <p:spTree>
       <p:nvGrpSpPr>
@@ -30056,13 +29912,7 @@
               <a:rPr lang="en-US" sz="1000" dirty="0" smtClean="0">
                 <a:latin typeface="Comic Sans MS" pitchFamily="66" charset="0"/>
               </a:rPr>
-              <a:t> </a:t>
-            </a:r>
-            <a:r>
-              <a:rPr lang="en-US" sz="1000" dirty="0" smtClean="0">
-                <a:latin typeface="Comic Sans MS" pitchFamily="66" charset="0"/>
-              </a:rPr>
-              <a:t>12M.21</a:t>
+              <a:t> 12M.21</a:t>
             </a:r>
             <a:endParaRPr lang="en-US" sz="1000" dirty="0">
               <a:latin typeface="Comic Sans MS" pitchFamily="66" charset="0"/>
@@ -30248,13 +30098,7 @@
               <a:rPr lang="en-US" sz="1000" dirty="0" smtClean="0">
                 <a:latin typeface="Comic Sans MS" pitchFamily="66" charset="0"/>
               </a:rPr>
-              <a:t> </a:t>
-            </a:r>
-            <a:r>
-              <a:rPr lang="en-US" sz="1000" dirty="0" smtClean="0">
-                <a:latin typeface="Comic Sans MS" pitchFamily="66" charset="0"/>
-              </a:rPr>
-              <a:t>12M.22</a:t>
+              <a:t> 12M.22</a:t>
             </a:r>
             <a:endParaRPr lang="en-US" sz="1000" dirty="0">
               <a:latin typeface="Comic Sans MS" pitchFamily="66" charset="0"/>
@@ -30310,7 +30154,7 @@
           <a:graphicData uri="http://schemas.openxmlformats.org/presentationml/2006/ole">
             <mc:AlternateContent xmlns:mc="http://schemas.openxmlformats.org/markup-compatibility/2006">
               <mc:Choice xmlns:v="urn:schemas-microsoft-com:vml" Requires="v">
-                <p:oleObj spid="_x0000_s15369" name="Equation" r:id="rId4" imgW="1295280" imgH="457200" progId="Equation.DSMT4">
+                <p:oleObj spid="_x0000_s15376" name="Equation" r:id="rId4" imgW="1295280" imgH="457200" progId="Equation.DSMT4">
                   <p:embed/>
                 </p:oleObj>
               </mc:Choice>
@@ -30442,7 +30286,7 @@
           <a:graphicData uri="http://schemas.openxmlformats.org/presentationml/2006/ole">
             <mc:AlternateContent xmlns:mc="http://schemas.openxmlformats.org/markup-compatibility/2006">
               <mc:Choice xmlns:v="urn:schemas-microsoft-com:vml" Requires="v">
-                <p:oleObj spid="_x0000_s15370" name="Equation" r:id="rId6" imgW="2705040" imgH="457200" progId="Equation.DSMT4">
+                <p:oleObj spid="_x0000_s15377" name="Equation" r:id="rId6" imgW="2705040" imgH="457200" progId="Equation.DSMT4">
                   <p:embed/>
                 </p:oleObj>
               </mc:Choice>
@@ -30702,13 +30546,7 @@
               <a:rPr lang="en-US" sz="1000" dirty="0" smtClean="0">
                 <a:latin typeface="Comic Sans MS" pitchFamily="66" charset="0"/>
               </a:rPr>
-              <a:t> </a:t>
-            </a:r>
-            <a:r>
-              <a:rPr lang="en-US" sz="1000" dirty="0" smtClean="0">
-                <a:latin typeface="Comic Sans MS" pitchFamily="66" charset="0"/>
-              </a:rPr>
-              <a:t>12M.23</a:t>
+              <a:t> 12M.23</a:t>
             </a:r>
             <a:endParaRPr lang="en-US" sz="1000" dirty="0">
               <a:latin typeface="Comic Sans MS" pitchFamily="66" charset="0"/>
@@ -30732,7 +30570,7 @@
           <a:graphicData uri="http://schemas.openxmlformats.org/presentationml/2006/ole">
             <mc:AlternateContent xmlns:mc="http://schemas.openxmlformats.org/markup-compatibility/2006">
               <mc:Choice xmlns:v="urn:schemas-microsoft-com:vml" Requires="v">
-                <p:oleObj spid="_x0000_s16390" name="Equation" r:id="rId4" imgW="435285" imgH="677109" progId="Equation.DSMT4">
+                <p:oleObj spid="_x0000_s16394" name="Equation" r:id="rId4" imgW="435285" imgH="677109" progId="Equation.DSMT4">
                   <p:embed/>
                 </p:oleObj>
               </mc:Choice>
@@ -31453,13 +31291,7 @@
               <a:rPr lang="en-US" sz="1000" dirty="0" smtClean="0">
                 <a:latin typeface="Comic Sans MS" pitchFamily="66" charset="0"/>
               </a:rPr>
-              <a:t> </a:t>
-            </a:r>
-            <a:r>
-              <a:rPr lang="en-US" sz="1000" dirty="0" smtClean="0">
-                <a:latin typeface="Comic Sans MS" pitchFamily="66" charset="0"/>
-              </a:rPr>
-              <a:t>12M.24</a:t>
+              <a:t> 12M.24</a:t>
             </a:r>
             <a:endParaRPr lang="en-US" sz="1000" dirty="0">
               <a:latin typeface="Comic Sans MS" pitchFamily="66" charset="0"/>
@@ -31483,7 +31315,7 @@
           <a:graphicData uri="http://schemas.openxmlformats.org/presentationml/2006/ole">
             <mc:AlternateContent xmlns:mc="http://schemas.openxmlformats.org/markup-compatibility/2006">
               <mc:Choice xmlns:v="urn:schemas-microsoft-com:vml" Requires="v">
-                <p:oleObj spid="_x0000_s17420" name="Equation" r:id="rId4" imgW="435285" imgH="677109" progId="Equation.DSMT4">
+                <p:oleObj spid="_x0000_s17427" name="Equation" r:id="rId4" imgW="435285" imgH="677109" progId="Equation.DSMT4">
                   <p:embed/>
                 </p:oleObj>
               </mc:Choice>
@@ -31732,7 +31564,7 @@
           <a:graphicData uri="http://schemas.openxmlformats.org/presentationml/2006/ole">
             <mc:AlternateContent xmlns:mc="http://schemas.openxmlformats.org/markup-compatibility/2006">
               <mc:Choice xmlns:v="urn:schemas-microsoft-com:vml" Requires="v">
-                <p:oleObj spid="_x0000_s17421" name="Equation" r:id="rId6" imgW="1473200" imgH="736600" progId="Equation.DSMT4">
+                <p:oleObj spid="_x0000_s17428" name="Equation" r:id="rId6" imgW="1473200" imgH="736600" progId="Equation.DSMT4">
                   <p:embed/>
                 </p:oleObj>
               </mc:Choice>
@@ -31869,13 +31701,7 @@
               <a:rPr lang="en-US" sz="1000" dirty="0" smtClean="0">
                 <a:latin typeface="Comic Sans MS" pitchFamily="66" charset="0"/>
               </a:rPr>
-              <a:t> </a:t>
-            </a:r>
-            <a:r>
-              <a:rPr lang="en-US" sz="1000" dirty="0" smtClean="0">
-                <a:latin typeface="Comic Sans MS" pitchFamily="66" charset="0"/>
-              </a:rPr>
-              <a:t>12M.25</a:t>
+              <a:t> 12M.25</a:t>
             </a:r>
             <a:endParaRPr lang="en-US" sz="1000" dirty="0">
               <a:latin typeface="Comic Sans MS" pitchFamily="66" charset="0"/>
@@ -31899,7 +31725,7 @@
           <a:graphicData uri="http://schemas.openxmlformats.org/presentationml/2006/ole">
             <mc:AlternateContent xmlns:mc="http://schemas.openxmlformats.org/markup-compatibility/2006">
               <mc:Choice xmlns:v="urn:schemas-microsoft-com:vml" Requires="v">
-                <p:oleObj spid="_x0000_s18441" name="Equation" r:id="rId4" imgW="435285" imgH="677109" progId="Equation.DSMT4">
+                <p:oleObj spid="_x0000_s18448" name="Equation" r:id="rId4" imgW="435285" imgH="677109" progId="Equation.DSMT4">
                   <p:embed/>
                 </p:oleObj>
               </mc:Choice>
@@ -32034,7 +31860,7 @@
           <a:graphicData uri="http://schemas.openxmlformats.org/presentationml/2006/ole">
             <mc:AlternateContent xmlns:mc="http://schemas.openxmlformats.org/markup-compatibility/2006">
               <mc:Choice xmlns:v="urn:schemas-microsoft-com:vml" Requires="v">
-                <p:oleObj spid="_x0000_s18442" name="Equation" r:id="rId6" imgW="1473200" imgH="850900" progId="Equation.DSMT4">
+                <p:oleObj spid="_x0000_s18449" name="Equation" r:id="rId6" imgW="1473200" imgH="850900" progId="Equation.DSMT4">
                   <p:embed/>
                 </p:oleObj>
               </mc:Choice>
@@ -32285,13 +32111,7 @@
               <a:rPr lang="en-US" sz="1000" dirty="0" smtClean="0">
                 <a:latin typeface="Comic Sans MS" pitchFamily="66" charset="0"/>
               </a:rPr>
-              <a:t> </a:t>
-            </a:r>
-            <a:r>
-              <a:rPr lang="en-US" sz="1000" dirty="0" smtClean="0">
-                <a:latin typeface="Comic Sans MS" pitchFamily="66" charset="0"/>
-              </a:rPr>
-              <a:t>12M.26</a:t>
+              <a:t> 12M.26</a:t>
             </a:r>
             <a:endParaRPr lang="en-US" sz="1000" dirty="0">
               <a:latin typeface="Comic Sans MS" pitchFamily="66" charset="0"/>
@@ -32315,7 +32135,7 @@
           <a:graphicData uri="http://schemas.openxmlformats.org/presentationml/2006/ole">
             <mc:AlternateContent xmlns:mc="http://schemas.openxmlformats.org/markup-compatibility/2006">
               <mc:Choice xmlns:v="urn:schemas-microsoft-com:vml" Requires="v">
-                <p:oleObj spid="_x0000_s19465" name="Equation" r:id="rId4" imgW="435285" imgH="677109" progId="Equation.DSMT4">
+                <p:oleObj spid="_x0000_s19472" name="Equation" r:id="rId4" imgW="435285" imgH="677109" progId="Equation.DSMT4">
                   <p:embed/>
                 </p:oleObj>
               </mc:Choice>
@@ -32450,7 +32270,7 @@
           <a:graphicData uri="http://schemas.openxmlformats.org/presentationml/2006/ole">
             <mc:AlternateContent xmlns:mc="http://schemas.openxmlformats.org/markup-compatibility/2006">
               <mc:Choice xmlns:v="urn:schemas-microsoft-com:vml" Requires="v">
-                <p:oleObj spid="_x0000_s19466" name="Equation" r:id="rId6" imgW="1473200" imgH="850900" progId="Equation.DSMT4">
+                <p:oleObj spid="_x0000_s19473" name="Equation" r:id="rId6" imgW="1473200" imgH="850900" progId="Equation.DSMT4">
                   <p:embed/>
                 </p:oleObj>
               </mc:Choice>
@@ -32887,13 +32707,7 @@
               <a:rPr lang="en-US" sz="1000" dirty="0" smtClean="0">
                 <a:latin typeface="Comic Sans MS" pitchFamily="66" charset="0"/>
               </a:rPr>
-              <a:t> </a:t>
-            </a:r>
-            <a:r>
-              <a:rPr lang="en-US" sz="1000" dirty="0" smtClean="0">
-                <a:latin typeface="Comic Sans MS" pitchFamily="66" charset="0"/>
-              </a:rPr>
-              <a:t>12M.27</a:t>
+              <a:t> 12M.27</a:t>
             </a:r>
             <a:endParaRPr lang="en-US" sz="1000" dirty="0">
               <a:latin typeface="Comic Sans MS" pitchFamily="66" charset="0"/>
@@ -32970,7 +32784,7 @@
           <a:graphicData uri="http://schemas.openxmlformats.org/presentationml/2006/ole">
             <mc:AlternateContent xmlns:mc="http://schemas.openxmlformats.org/markup-compatibility/2006">
               <mc:Choice xmlns:v="urn:schemas-microsoft-com:vml" Requires="v">
-                <p:oleObj spid="_x0000_s20489" name="Equation" r:id="rId4" imgW="435285" imgH="677109" progId="Equation.DSMT4">
+                <p:oleObj spid="_x0000_s20496" name="Equation" r:id="rId4" imgW="435285" imgH="677109" progId="Equation.DSMT4">
                   <p:embed/>
                 </p:oleObj>
               </mc:Choice>
@@ -33040,7 +32854,7 @@
           <a:graphicData uri="http://schemas.openxmlformats.org/presentationml/2006/ole">
             <mc:AlternateContent xmlns:mc="http://schemas.openxmlformats.org/markup-compatibility/2006">
               <mc:Choice xmlns:v="urn:schemas-microsoft-com:vml" Requires="v">
-                <p:oleObj spid="_x0000_s20490" name="Equation" r:id="rId6" imgW="990600" imgH="596900" progId="Equation.DSMT4">
+                <p:oleObj spid="_x0000_s20497" name="Equation" r:id="rId6" imgW="990600" imgH="596900" progId="Equation.DSMT4">
                   <p:embed/>
                 </p:oleObj>
               </mc:Choice>
@@ -33253,13 +33067,7 @@
               <a:rPr lang="en-US" sz="1000" dirty="0" smtClean="0">
                 <a:latin typeface="Comic Sans MS" pitchFamily="66" charset="0"/>
               </a:rPr>
-              <a:t> </a:t>
-            </a:r>
-            <a:r>
-              <a:rPr lang="en-US" sz="1000" dirty="0" smtClean="0">
-                <a:latin typeface="Comic Sans MS" pitchFamily="66" charset="0"/>
-              </a:rPr>
-              <a:t>12M.28</a:t>
+              <a:t> 12M.28</a:t>
             </a:r>
             <a:endParaRPr lang="en-US" sz="1000" dirty="0">
               <a:latin typeface="Comic Sans MS" pitchFamily="66" charset="0"/>
@@ -33283,7 +33091,7 @@
           <a:graphicData uri="http://schemas.openxmlformats.org/presentationml/2006/ole">
             <mc:AlternateContent xmlns:mc="http://schemas.openxmlformats.org/markup-compatibility/2006">
               <mc:Choice xmlns:v="urn:schemas-microsoft-com:vml" Requires="v">
-                <p:oleObj spid="_x0000_s21513" name="Equation" r:id="rId4" imgW="435285" imgH="677109" progId="Equation.DSMT4">
+                <p:oleObj spid="_x0000_s21520" name="Equation" r:id="rId4" imgW="435285" imgH="677109" progId="Equation.DSMT4">
                   <p:embed/>
                 </p:oleObj>
               </mc:Choice>
@@ -33353,7 +33161,7 @@
           <a:graphicData uri="http://schemas.openxmlformats.org/presentationml/2006/ole">
             <mc:AlternateContent xmlns:mc="http://schemas.openxmlformats.org/markup-compatibility/2006">
               <mc:Choice xmlns:v="urn:schemas-microsoft-com:vml" Requires="v">
-                <p:oleObj spid="_x0000_s21514" name="Equation" r:id="rId6" imgW="876300" imgH="812800" progId="Equation.DSMT4">
+                <p:oleObj spid="_x0000_s21521" name="Equation" r:id="rId6" imgW="876300" imgH="812800" progId="Equation.DSMT4">
                   <p:embed/>
                 </p:oleObj>
               </mc:Choice>
@@ -33765,13 +33573,7 @@
               <a:rPr lang="en-US" sz="1000" dirty="0" smtClean="0">
                 <a:latin typeface="Comic Sans MS" pitchFamily="66" charset="0"/>
               </a:rPr>
-              <a:t> </a:t>
-            </a:r>
-            <a:r>
-              <a:rPr lang="en-US" sz="1000" dirty="0" smtClean="0">
-                <a:latin typeface="Comic Sans MS" pitchFamily="66" charset="0"/>
-              </a:rPr>
-              <a:t>12M.29</a:t>
+              <a:t> 12M.29</a:t>
             </a:r>
             <a:endParaRPr lang="en-US" sz="1000" dirty="0">
               <a:latin typeface="Comic Sans MS" pitchFamily="66" charset="0"/>
@@ -33795,7 +33597,7 @@
           <a:graphicData uri="http://schemas.openxmlformats.org/presentationml/2006/ole">
             <mc:AlternateContent xmlns:mc="http://schemas.openxmlformats.org/markup-compatibility/2006">
               <mc:Choice xmlns:v="urn:schemas-microsoft-com:vml" Requires="v">
-                <p:oleObj spid="_x0000_s22542" name="Equation" r:id="rId4" imgW="435285" imgH="677109" progId="Equation.DSMT4">
+                <p:oleObj spid="_x0000_s22552" name="Equation" r:id="rId4" imgW="435285" imgH="677109" progId="Equation.DSMT4">
                   <p:embed/>
                 </p:oleObj>
               </mc:Choice>
@@ -33865,7 +33667,7 @@
           <a:graphicData uri="http://schemas.openxmlformats.org/presentationml/2006/ole">
             <mc:AlternateContent xmlns:mc="http://schemas.openxmlformats.org/markup-compatibility/2006">
               <mc:Choice xmlns:v="urn:schemas-microsoft-com:vml" Requires="v">
-                <p:oleObj spid="_x0000_s22543" name="Equation" r:id="rId6" imgW="952500" imgH="571500" progId="Equation.DSMT4">
+                <p:oleObj spid="_x0000_s22553" name="Equation" r:id="rId6" imgW="952500" imgH="571500" progId="Equation.DSMT4">
                   <p:embed/>
                 </p:oleObj>
               </mc:Choice>
@@ -34052,7 +33854,7 @@
           <a:graphicData uri="http://schemas.openxmlformats.org/presentationml/2006/ole">
             <mc:AlternateContent xmlns:mc="http://schemas.openxmlformats.org/markup-compatibility/2006">
               <mc:Choice xmlns:v="urn:schemas-microsoft-com:vml" Requires="v">
-                <p:oleObj spid="_x0000_s22544" name="Equation" r:id="rId8" imgW="977900" imgH="533400" progId="Equation.DSMT4">
+                <p:oleObj spid="_x0000_s22554" name="Equation" r:id="rId8" imgW="977900" imgH="533400" progId="Equation.DSMT4">
                   <p:embed/>
                 </p:oleObj>
               </mc:Choice>
@@ -34289,7 +34091,7 @@
           <a:graphicData uri="http://schemas.openxmlformats.org/presentationml/2006/ole">
             <mc:AlternateContent xmlns:mc="http://schemas.openxmlformats.org/markup-compatibility/2006">
               <mc:Choice xmlns:v="urn:schemas-microsoft-com:vml" Requires="v">
-                <p:oleObj spid="_x0000_s1030" name="Equation" r:id="rId4" imgW="1866600" imgH="482400" progId="Equation.DSMT4">
+                <p:oleObj spid="_x0000_s1034" name="Equation" r:id="rId4" imgW="1866600" imgH="482400" progId="Equation.DSMT4">
                   <p:embed/>
                 </p:oleObj>
               </mc:Choice>
@@ -34391,13 +34193,7 @@
               <a:rPr lang="en-US" sz="1000" dirty="0" smtClean="0">
                 <a:latin typeface="Comic Sans MS" pitchFamily="66" charset="0"/>
               </a:rPr>
-              <a:t> </a:t>
-            </a:r>
-            <a:r>
-              <a:rPr lang="en-US" sz="1000" dirty="0" smtClean="0">
-                <a:latin typeface="Comic Sans MS" pitchFamily="66" charset="0"/>
-              </a:rPr>
-              <a:t>12M.3</a:t>
+              <a:t> 12M.3</a:t>
             </a:r>
             <a:endParaRPr lang="en-US" sz="1000" dirty="0">
               <a:latin typeface="Comic Sans MS" pitchFamily="66" charset="0"/>
@@ -34503,7 +34299,7 @@
 </file>
 
 <file path=ppt/slides/slide30.xml><?xml version="1.0" encoding="utf-8"?>
-<p:sld xmlns:a="http://schemas.openxmlformats.org/drawingml/2006/main" xmlns:r="http://schemas.openxmlformats.org/officeDocument/2006/relationships" xmlns:p="http://schemas.openxmlformats.org/presentationml/2006/main">
+<p:sld xmlns:a="http://schemas.openxmlformats.org/drawingml/2006/main" xmlns:r="http://schemas.openxmlformats.org/officeDocument/2006/relationships" xmlns:p="http://schemas.openxmlformats.org/presentationml/2006/main" show="0">
   <p:cSld>
     <p:spTree>
       <p:nvGrpSpPr>
@@ -34567,13 +34363,7 @@
               <a:rPr lang="en-US" sz="1000" dirty="0" smtClean="0">
                 <a:latin typeface="Comic Sans MS" pitchFamily="66" charset="0"/>
               </a:rPr>
-              <a:t> </a:t>
-            </a:r>
-            <a:r>
-              <a:rPr lang="en-US" sz="1000" dirty="0" smtClean="0">
-                <a:latin typeface="Comic Sans MS" pitchFamily="66" charset="0"/>
-              </a:rPr>
-              <a:t>12M.30</a:t>
+              <a:t> 12M.30</a:t>
             </a:r>
             <a:endParaRPr lang="en-US" sz="1000" dirty="0">
               <a:latin typeface="Comic Sans MS" pitchFamily="66" charset="0"/>
@@ -34597,7 +34387,7 @@
           <a:graphicData uri="http://schemas.openxmlformats.org/presentationml/2006/ole">
             <mc:AlternateContent xmlns:mc="http://schemas.openxmlformats.org/markup-compatibility/2006">
               <mc:Choice xmlns:v="urn:schemas-microsoft-com:vml" Requires="v">
-                <p:oleObj spid="_x0000_s23564" name="Equation" r:id="rId4" imgW="435285" imgH="677109" progId="Equation.DSMT4">
+                <p:oleObj spid="_x0000_s23571" name="Equation" r:id="rId4" imgW="435285" imgH="677109" progId="Equation.DSMT4">
                   <p:embed/>
                 </p:oleObj>
               </mc:Choice>
@@ -34774,22 +34564,28 @@
           <p:cNvGraphicFramePr>
             <a:graphicFrameLocks noChangeAspect="1"/>
           </p:cNvGraphicFramePr>
-          <p:nvPr/>
+          <p:nvPr>
+            <p:extLst>
+              <p:ext uri="{D42A27DB-BD31-4B8C-83A1-F6EECF244321}">
+                <p14:modId xmlns:p14="http://schemas.microsoft.com/office/powerpoint/2010/main" val="1639686594"/>
+              </p:ext>
+            </p:extLst>
+          </p:nvPr>
         </p:nvGraphicFramePr>
         <p:xfrm>
-          <a:off x="1752600" y="1371600"/>
-          <a:ext cx="5508625" cy="4267200"/>
+          <a:off x="2286000" y="1728787"/>
+          <a:ext cx="4394200" cy="3400425"/>
         </p:xfrm>
         <a:graphic>
           <a:graphicData uri="http://schemas.openxmlformats.org/presentationml/2006/ole">
             <mc:AlternateContent xmlns:mc="http://schemas.openxmlformats.org/markup-compatibility/2006">
               <mc:Choice xmlns:v="urn:schemas-microsoft-com:vml" Requires="v">
-                <p:oleObj spid="_x0000_s23565" name="Equation" r:id="rId6" imgW="1130300" imgH="876300" progId="Equation.DSMT4">
+                <p:oleObj spid="_x0000_s23572" name="Equation" r:id="rId6" imgW="901700" imgH="698500" progId="Equation.DSMT4">
                   <p:embed/>
                 </p:oleObj>
               </mc:Choice>
               <mc:Fallback>
-                <p:oleObj name="Equation" r:id="rId6" imgW="1130300" imgH="876300" progId="Equation.DSMT4">
+                <p:oleObj name="Equation" r:id="rId6" imgW="901700" imgH="698500" progId="Equation.DSMT4">
                   <p:embed/>
                   <p:pic>
                     <p:nvPicPr>
@@ -34800,13 +34596,7 @@
                       <p:nvPr/>
                     </p:nvPicPr>
                     <p:blipFill>
-                      <a:blip r:embed="rId7">
-                        <a:extLst>
-                          <a:ext uri="{28A0092B-C50C-407E-A947-70E740481C1C}">
-                            <a14:useLocalDpi xmlns:a14="http://schemas.microsoft.com/office/drawing/2010/main" val="0"/>
-                          </a:ext>
-                        </a:extLst>
-                      </a:blip>
+                      <a:blip r:embed="rId7"/>
                       <a:srcRect/>
                       <a:stretch>
                         <a:fillRect/>
@@ -34814,8 +34604,8 @@
                     </p:blipFill>
                     <p:spPr bwMode="auto">
                       <a:xfrm>
-                        <a:off x="1752600" y="1371600"/>
-                        <a:ext cx="5508625" cy="4267200"/>
+                        <a:off x="2286000" y="1728787"/>
+                        <a:ext cx="4394200" cy="3400425"/>
                       </a:xfrm>
                       <a:prstGeom prst="rect">
                         <a:avLst/>
@@ -34921,13 +34711,7 @@
               <a:rPr lang="en-US" sz="1000" dirty="0" smtClean="0">
                 <a:latin typeface="Comic Sans MS" pitchFamily="66" charset="0"/>
               </a:rPr>
-              <a:t> </a:t>
-            </a:r>
-            <a:r>
-              <a:rPr lang="en-US" sz="1000" dirty="0" smtClean="0">
-                <a:latin typeface="Comic Sans MS" pitchFamily="66" charset="0"/>
-              </a:rPr>
-              <a:t>12M.30</a:t>
+              <a:t> 12M.30</a:t>
             </a:r>
             <a:endParaRPr lang="en-US" sz="1000" dirty="0">
               <a:latin typeface="Comic Sans MS" pitchFamily="66" charset="0"/>
@@ -34951,7 +34735,7 @@
           <a:graphicData uri="http://schemas.openxmlformats.org/presentationml/2006/ole">
             <mc:AlternateContent xmlns:mc="http://schemas.openxmlformats.org/markup-compatibility/2006">
               <mc:Choice xmlns:v="urn:schemas-microsoft-com:vml" Requires="v">
-                <p:oleObj spid="_x0000_s164873" name="Equation" r:id="rId4" imgW="435285" imgH="677109" progId="Equation.DSMT4">
+                <p:oleObj spid="_x0000_s164880" name="Equation" r:id="rId4" imgW="435285" imgH="677109" progId="Equation.DSMT4">
                   <p:embed/>
                 </p:oleObj>
               </mc:Choice>
@@ -35011,17 +34795,23 @@
           <p:cNvGraphicFramePr>
             <a:graphicFrameLocks noChangeAspect="1"/>
           </p:cNvGraphicFramePr>
-          <p:nvPr/>
+          <p:nvPr>
+            <p:extLst>
+              <p:ext uri="{D42A27DB-BD31-4B8C-83A1-F6EECF244321}">
+                <p14:modId xmlns:p14="http://schemas.microsoft.com/office/powerpoint/2010/main" val="2458189558"/>
+              </p:ext>
+            </p:extLst>
+          </p:nvPr>
         </p:nvGraphicFramePr>
         <p:xfrm>
-          <a:off x="1700213" y="1333500"/>
+          <a:off x="1447800" y="1333500"/>
           <a:ext cx="5694362" cy="4824413"/>
         </p:xfrm>
         <a:graphic>
           <a:graphicData uri="http://schemas.openxmlformats.org/presentationml/2006/ole">
             <mc:AlternateContent xmlns:mc="http://schemas.openxmlformats.org/markup-compatibility/2006">
               <mc:Choice xmlns:v="urn:schemas-microsoft-com:vml" Requires="v">
-                <p:oleObj spid="_x0000_s164874" name="Equation" r:id="rId6" imgW="1168400" imgH="990600" progId="Equation.DSMT4">
+                <p:oleObj spid="_x0000_s164881" name="Equation" r:id="rId6" imgW="1168400" imgH="990600" progId="Equation.DSMT4">
                   <p:embed/>
                 </p:oleObj>
               </mc:Choice>
@@ -35051,7 +34841,7 @@
                     </p:blipFill>
                     <p:spPr bwMode="auto">
                       <a:xfrm>
-                        <a:off x="1700213" y="1333500"/>
+                        <a:off x="1447800" y="1333500"/>
                         <a:ext cx="5694362" cy="4824413"/>
                       </a:xfrm>
                       <a:prstGeom prst="rect">
@@ -35275,13 +35065,7 @@
               <a:rPr lang="en-US" sz="1000" dirty="0" smtClean="0">
                 <a:latin typeface="Comic Sans MS" pitchFamily="66" charset="0"/>
               </a:rPr>
-              <a:t> </a:t>
-            </a:r>
-            <a:r>
-              <a:rPr lang="en-US" sz="1000" dirty="0" smtClean="0">
-                <a:latin typeface="Comic Sans MS" pitchFamily="66" charset="0"/>
-              </a:rPr>
-              <a:t>12M.31</a:t>
+              <a:t> 12M.31</a:t>
             </a:r>
             <a:endParaRPr lang="en-US" sz="1000" dirty="0">
               <a:latin typeface="Comic Sans MS" pitchFamily="66" charset="0"/>
@@ -35305,7 +35089,7 @@
           <a:graphicData uri="http://schemas.openxmlformats.org/presentationml/2006/ole">
             <mc:AlternateContent xmlns:mc="http://schemas.openxmlformats.org/markup-compatibility/2006">
               <mc:Choice xmlns:v="urn:schemas-microsoft-com:vml" Requires="v">
-                <p:oleObj spid="_x0000_s24585" name="Equation" r:id="rId4" imgW="435285" imgH="677109" progId="Equation.DSMT4">
+                <p:oleObj spid="_x0000_s24592" name="Equation" r:id="rId4" imgW="435285" imgH="677109" progId="Equation.DSMT4">
                   <p:embed/>
                 </p:oleObj>
               </mc:Choice>
@@ -35375,7 +35159,7 @@
           <a:graphicData uri="http://schemas.openxmlformats.org/presentationml/2006/ole">
             <mc:AlternateContent xmlns:mc="http://schemas.openxmlformats.org/markup-compatibility/2006">
               <mc:Choice xmlns:v="urn:schemas-microsoft-com:vml" Requires="v">
-                <p:oleObj spid="_x0000_s24586" name="Equation" r:id="rId6" imgW="1270000" imgH="1003300" progId="Equation.DSMT4">
+                <p:oleObj spid="_x0000_s24593" name="Equation" r:id="rId6" imgW="1270000" imgH="1003300" progId="Equation.DSMT4">
                   <p:embed/>
                 </p:oleObj>
               </mc:Choice>
@@ -35629,13 +35413,7 @@
               <a:rPr lang="en-US" sz="1000" dirty="0" smtClean="0">
                 <a:latin typeface="Comic Sans MS" pitchFamily="66" charset="0"/>
               </a:rPr>
-              <a:t> </a:t>
-            </a:r>
-            <a:r>
-              <a:rPr lang="en-US" sz="1000" dirty="0" smtClean="0">
-                <a:latin typeface="Comic Sans MS" pitchFamily="66" charset="0"/>
-              </a:rPr>
-              <a:t>12M.32</a:t>
+              <a:t> 12M.32</a:t>
             </a:r>
             <a:endParaRPr lang="en-US" sz="1000" dirty="0">
               <a:latin typeface="Comic Sans MS" pitchFamily="66" charset="0"/>
@@ -35659,7 +35437,7 @@
           <a:graphicData uri="http://schemas.openxmlformats.org/presentationml/2006/ole">
             <mc:AlternateContent xmlns:mc="http://schemas.openxmlformats.org/markup-compatibility/2006">
               <mc:Choice xmlns:v="urn:schemas-microsoft-com:vml" Requires="v">
-                <p:oleObj spid="_x0000_s25609" name="Equation" r:id="rId4" imgW="435285" imgH="677109" progId="Equation.DSMT4">
+                <p:oleObj spid="_x0000_s25616" name="Equation" r:id="rId4" imgW="435285" imgH="677109" progId="Equation.DSMT4">
                   <p:embed/>
                 </p:oleObj>
               </mc:Choice>
@@ -35729,7 +35507,7 @@
           <a:graphicData uri="http://schemas.openxmlformats.org/presentationml/2006/ole">
             <mc:AlternateContent xmlns:mc="http://schemas.openxmlformats.org/markup-compatibility/2006">
               <mc:Choice xmlns:v="urn:schemas-microsoft-com:vml" Requires="v">
-                <p:oleObj spid="_x0000_s25610" name="Equation" r:id="rId6" imgW="1270000" imgH="825500" progId="Equation.DSMT4">
+                <p:oleObj spid="_x0000_s25617" name="Equation" r:id="rId6" imgW="1270000" imgH="825500" progId="Equation.DSMT4">
                   <p:embed/>
                 </p:oleObj>
               </mc:Choice>
@@ -36118,13 +35896,7 @@
               <a:rPr lang="en-US" sz="1000" dirty="0" smtClean="0">
                 <a:latin typeface="Comic Sans MS" pitchFamily="66" charset="0"/>
               </a:rPr>
-              <a:t> </a:t>
-            </a:r>
-            <a:r>
-              <a:rPr lang="en-US" sz="1000" dirty="0" smtClean="0">
-                <a:latin typeface="Comic Sans MS" pitchFamily="66" charset="0"/>
-              </a:rPr>
-              <a:t>12M.33</a:t>
+              <a:t> 12M.33</a:t>
             </a:r>
             <a:endParaRPr lang="en-US" sz="1000" dirty="0">
               <a:latin typeface="Comic Sans MS" pitchFamily="66" charset="0"/>
@@ -36148,7 +35920,7 @@
           <a:graphicData uri="http://schemas.openxmlformats.org/presentationml/2006/ole">
             <mc:AlternateContent xmlns:mc="http://schemas.openxmlformats.org/markup-compatibility/2006">
               <mc:Choice xmlns:v="urn:schemas-microsoft-com:vml" Requires="v">
-                <p:oleObj spid="_x0000_s26633" name="Equation" r:id="rId4" imgW="435285" imgH="677109" progId="Equation.DSMT4">
+                <p:oleObj spid="_x0000_s26640" name="Equation" r:id="rId4" imgW="435285" imgH="677109" progId="Equation.DSMT4">
                   <p:embed/>
                 </p:oleObj>
               </mc:Choice>
@@ -36314,7 +36086,7 @@
           <a:graphicData uri="http://schemas.openxmlformats.org/presentationml/2006/ole">
             <mc:AlternateContent xmlns:mc="http://schemas.openxmlformats.org/markup-compatibility/2006">
               <mc:Choice xmlns:v="urn:schemas-microsoft-com:vml" Requires="v">
-                <p:oleObj spid="_x0000_s26634" name="Equation" r:id="rId6" imgW="990600" imgH="596900" progId="Equation.DSMT4">
+                <p:oleObj spid="_x0000_s26641" name="Equation" r:id="rId6" imgW="990600" imgH="596900" progId="Equation.DSMT4">
                   <p:embed/>
                 </p:oleObj>
               </mc:Choice>
@@ -36754,13 +36526,7 @@
               <a:rPr lang="en-US" sz="1000" dirty="0" smtClean="0">
                 <a:latin typeface="Comic Sans MS" pitchFamily="66" charset="0"/>
               </a:rPr>
-              <a:t> </a:t>
-            </a:r>
-            <a:r>
-              <a:rPr lang="en-US" sz="1000" dirty="0" smtClean="0">
-                <a:latin typeface="Comic Sans MS" pitchFamily="66" charset="0"/>
-              </a:rPr>
-              <a:t>12M.34</a:t>
+              <a:t> 12M.34</a:t>
             </a:r>
             <a:endParaRPr lang="en-US" sz="1000" dirty="0">
               <a:latin typeface="Comic Sans MS" pitchFamily="66" charset="0"/>
@@ -37668,16 +37434,7 @@
                 </a:solidFill>
                 <a:latin typeface="Comic Sans MS" pitchFamily="66" charset="0"/>
               </a:rPr>
-              <a:t> </a:t>
-            </a:r>
-            <a:r>
-              <a:rPr lang="en-US" sz="1000" dirty="0" smtClean="0">
-                <a:solidFill>
-                  <a:srgbClr val="0000FF"/>
-                </a:solidFill>
-                <a:latin typeface="Comic Sans MS" pitchFamily="66" charset="0"/>
-              </a:rPr>
-              <a:t>12M.4</a:t>
+              <a:t> 12M.4</a:t>
             </a:r>
             <a:endParaRPr lang="en-US" sz="1000" dirty="0">
               <a:solidFill>
@@ -37771,13 +37528,7 @@
               <a:rPr lang="en-US" sz="1000" dirty="0" smtClean="0">
                 <a:latin typeface="Comic Sans MS" pitchFamily="66" charset="0"/>
               </a:rPr>
-              <a:t> </a:t>
-            </a:r>
-            <a:r>
-              <a:rPr lang="en-US" sz="1000" dirty="0" smtClean="0">
-                <a:latin typeface="Comic Sans MS" pitchFamily="66" charset="0"/>
-              </a:rPr>
-              <a:t>12M.5</a:t>
+              <a:t> 12M.5</a:t>
             </a:r>
             <a:endParaRPr lang="en-US" sz="1000" dirty="0">
               <a:latin typeface="Comic Sans MS" pitchFamily="66" charset="0"/>
@@ -38065,7 +37816,7 @@
           <a:graphicData uri="http://schemas.openxmlformats.org/presentationml/2006/ole">
             <mc:AlternateContent xmlns:mc="http://schemas.openxmlformats.org/markup-compatibility/2006">
               <mc:Choice xmlns:v="urn:schemas-microsoft-com:vml" Requires="v">
-                <p:oleObj spid="_x0000_s2057" name="Equation" r:id="rId4" imgW="428207" imgH="666100" progId="Equation.DSMT4">
+                <p:oleObj spid="_x0000_s2064" name="Equation" r:id="rId4" imgW="428207" imgH="666100" progId="Equation.DSMT4">
                   <p:embed/>
                 </p:oleObj>
               </mc:Choice>
@@ -38135,7 +37886,7 @@
           <a:graphicData uri="http://schemas.openxmlformats.org/presentationml/2006/ole">
             <mc:AlternateContent xmlns:mc="http://schemas.openxmlformats.org/markup-compatibility/2006">
               <mc:Choice xmlns:v="urn:schemas-microsoft-com:vml" Requires="v">
-                <p:oleObj spid="_x0000_s2058" name="Equation" r:id="rId6" imgW="2374560" imgH="469800" progId="Equation.DSMT4">
+                <p:oleObj spid="_x0000_s2065" name="Equation" r:id="rId6" imgW="2374560" imgH="469800" progId="Equation.DSMT4">
                   <p:embed/>
                 </p:oleObj>
               </mc:Choice>
@@ -38781,13 +38532,7 @@
               <a:rPr lang="en-US" sz="1000" dirty="0" smtClean="0">
                 <a:latin typeface="Comic Sans MS" pitchFamily="66" charset="0"/>
               </a:rPr>
-              <a:t> </a:t>
-            </a:r>
-            <a:r>
-              <a:rPr lang="en-US" sz="1000" dirty="0" smtClean="0">
-                <a:latin typeface="Comic Sans MS" pitchFamily="66" charset="0"/>
-              </a:rPr>
-              <a:t>12M.6</a:t>
+              <a:t> 12M.6</a:t>
             </a:r>
             <a:endParaRPr lang="en-US" sz="1000" dirty="0">
               <a:latin typeface="Comic Sans MS" pitchFamily="66" charset="0"/>
@@ -38964,7 +38709,7 @@
           <a:graphicData uri="http://schemas.openxmlformats.org/presentationml/2006/ole">
             <mc:AlternateContent xmlns:mc="http://schemas.openxmlformats.org/markup-compatibility/2006">
               <mc:Choice xmlns:v="urn:schemas-microsoft-com:vml" Requires="v">
-                <p:oleObj spid="_x0000_s3082" name="Equation" r:id="rId4" imgW="533160" imgH="457200" progId="Equation.DSMT4">
+                <p:oleObj spid="_x0000_s3089" name="Equation" r:id="rId4" imgW="533160" imgH="457200" progId="Equation.DSMT4">
                   <p:embed/>
                 </p:oleObj>
               </mc:Choice>
@@ -39034,7 +38779,7 @@
           <a:graphicData uri="http://schemas.openxmlformats.org/presentationml/2006/ole">
             <mc:AlternateContent xmlns:mc="http://schemas.openxmlformats.org/markup-compatibility/2006">
               <mc:Choice xmlns:v="urn:schemas-microsoft-com:vml" Requires="v">
-                <p:oleObj spid="_x0000_s3083" name="Equation" r:id="rId6" imgW="2374560" imgH="469800" progId="Equation.DSMT4">
+                <p:oleObj spid="_x0000_s3090" name="Equation" r:id="rId6" imgW="2374560" imgH="469800" progId="Equation.DSMT4">
                   <p:embed/>
                 </p:oleObj>
               </mc:Choice>
@@ -39595,13 +39340,7 @@
               <a:rPr lang="en-US" sz="1000" dirty="0" smtClean="0">
                 <a:latin typeface="Comic Sans MS" pitchFamily="66" charset="0"/>
               </a:rPr>
-              <a:t> </a:t>
-            </a:r>
-            <a:r>
-              <a:rPr lang="en-US" sz="1000" dirty="0" smtClean="0">
-                <a:latin typeface="Comic Sans MS" pitchFamily="66" charset="0"/>
-              </a:rPr>
-              <a:t>12M.7</a:t>
+              <a:t> 12M.7</a:t>
             </a:r>
             <a:endParaRPr lang="en-US" sz="1000" dirty="0">
               <a:latin typeface="Comic Sans MS" pitchFamily="66" charset="0"/>
@@ -39657,7 +39396,7 @@
           <a:graphicData uri="http://schemas.openxmlformats.org/presentationml/2006/ole">
             <mc:AlternateContent xmlns:mc="http://schemas.openxmlformats.org/markup-compatibility/2006">
               <mc:Choice xmlns:v="urn:schemas-microsoft-com:vml" Requires="v">
-                <p:oleObj spid="_x0000_s4105" name="Equation" r:id="rId4" imgW="2920680" imgH="507960" progId="Equation.DSMT4">
+                <p:oleObj spid="_x0000_s4112" name="Equation" r:id="rId4" imgW="2920680" imgH="507960" progId="Equation.DSMT4">
                   <p:embed/>
                 </p:oleObj>
               </mc:Choice>
@@ -40021,7 +39760,7 @@
           <a:graphicData uri="http://schemas.openxmlformats.org/presentationml/2006/ole">
             <mc:AlternateContent xmlns:mc="http://schemas.openxmlformats.org/markup-compatibility/2006">
               <mc:Choice xmlns:v="urn:schemas-microsoft-com:vml" Requires="v">
-                <p:oleObj spid="_x0000_s4106" name="Equation" r:id="rId6" imgW="660240" imgH="241200" progId="Equation.DSMT4">
+                <p:oleObj spid="_x0000_s4113" name="Equation" r:id="rId6" imgW="660240" imgH="241200" progId="Equation.DSMT4">
                   <p:embed/>
                 </p:oleObj>
               </mc:Choice>
@@ -40274,13 +40013,7 @@
               <a:rPr lang="en-US" sz="1000" dirty="0" smtClean="0">
                 <a:latin typeface="Comic Sans MS" pitchFamily="66" charset="0"/>
               </a:rPr>
-              <a:t> </a:t>
-            </a:r>
-            <a:r>
-              <a:rPr lang="en-US" sz="1000" dirty="0" smtClean="0">
-                <a:latin typeface="Comic Sans MS" pitchFamily="66" charset="0"/>
-              </a:rPr>
-              <a:t>12M.8</a:t>
+              <a:t> 12M.8</a:t>
             </a:r>
             <a:endParaRPr lang="en-US" sz="1000" dirty="0">
               <a:latin typeface="Comic Sans MS" pitchFamily="66" charset="0"/>
@@ -40336,7 +40069,7 @@
           <a:graphicData uri="http://schemas.openxmlformats.org/presentationml/2006/ole">
             <mc:AlternateContent xmlns:mc="http://schemas.openxmlformats.org/markup-compatibility/2006">
               <mc:Choice xmlns:v="urn:schemas-microsoft-com:vml" Requires="v">
-                <p:oleObj spid="_x0000_s5129" name="Equation" r:id="rId4" imgW="2273040" imgH="990360" progId="Equation.DSMT4">
+                <p:oleObj spid="_x0000_s5136" name="Equation" r:id="rId4" imgW="2273040" imgH="990360" progId="Equation.DSMT4">
                   <p:embed/>
                 </p:oleObj>
               </mc:Choice>
@@ -40406,7 +40139,7 @@
           <a:graphicData uri="http://schemas.openxmlformats.org/presentationml/2006/ole">
             <mc:AlternateContent xmlns:mc="http://schemas.openxmlformats.org/markup-compatibility/2006">
               <mc:Choice xmlns:v="urn:schemas-microsoft-com:vml" Requires="v">
-                <p:oleObj spid="_x0000_s5130" name="Equation" r:id="rId6" imgW="685800" imgH="241200" progId="Equation.DSMT4">
+                <p:oleObj spid="_x0000_s5137" name="Equation" r:id="rId6" imgW="685800" imgH="241200" progId="Equation.DSMT4">
                   <p:embed/>
                 </p:oleObj>
               </mc:Choice>
@@ -40543,13 +40276,7 @@
               <a:rPr lang="en-US" sz="1000" dirty="0" smtClean="0">
                 <a:latin typeface="Comic Sans MS" pitchFamily="66" charset="0"/>
               </a:rPr>
-              <a:t> </a:t>
-            </a:r>
-            <a:r>
-              <a:rPr lang="en-US" sz="1000" dirty="0" smtClean="0">
-                <a:latin typeface="Comic Sans MS" pitchFamily="66" charset="0"/>
-              </a:rPr>
-              <a:t>12M.9</a:t>
+              <a:t> 12M.9</a:t>
             </a:r>
             <a:endParaRPr lang="en-US" sz="1000" dirty="0">
               <a:latin typeface="Comic Sans MS" pitchFamily="66" charset="0"/>
@@ -40573,7 +40300,7 @@
           <a:graphicData uri="http://schemas.openxmlformats.org/presentationml/2006/ole">
             <mc:AlternateContent xmlns:mc="http://schemas.openxmlformats.org/markup-compatibility/2006">
               <mc:Choice xmlns:v="urn:schemas-microsoft-com:vml" Requires="v">
-                <p:oleObj spid="_x0000_s6150" name="Equation" r:id="rId4" imgW="1523880" imgH="457200" progId="Equation.DSMT4">
+                <p:oleObj spid="_x0000_s6154" name="Equation" r:id="rId4" imgW="1523880" imgH="457200" progId="Equation.DSMT4">
                   <p:embed/>
                 </p:oleObj>
               </mc:Choice>
